--- a/phyloseq/Phyloseq_tutorial.pptx
+++ b/phyloseq/Phyloseq_tutorial.pptx
@@ -140,6 +140,10 @@
 </p:presentation>
 </file>
 
+<file path=ppt/revisionInfo.xml><?xml version="1.0" encoding="utf-8"?>
+<p1510:revInfo xmlns:a="http://schemas.openxmlformats.org/drawingml/2006/main" xmlns:r="http://schemas.openxmlformats.org/officeDocument/2006/relationships" xmlns:p1510="http://schemas.microsoft.com/office/powerpoint/2015/10/main"/>
+</file>
+
 <file path=ppt/slideLayouts/slideLayout1.xml><?xml version="1.0" encoding="utf-8"?>
 <p:sldLayout xmlns:a="http://schemas.openxmlformats.org/drawingml/2006/main" xmlns:r="http://schemas.openxmlformats.org/officeDocument/2006/relationships" xmlns:p="http://schemas.openxmlformats.org/presentationml/2006/main" showMasterSp="0" type="title" preserve="1">
   <p:cSld name="Diapositive de titre">
@@ -284,7 +288,7 @@
             <a:fld id="{ACDF6120-F1F0-4C60-9FE9-39AC71A9C79D}" type="datetimeFigureOut">
               <a:rPr lang="en-US" smtClean="0"/>
               <a:pPr/>
-              <a:t>6/6/2017</a:t>
+              <a:t>12/7/2017</a:t>
             </a:fld>
             <a:endParaRPr lang="en-US" sz="1600" dirty="0"/>
           </a:p>
@@ -645,7 +649,7 @@
             <a:fld id="{ACDF6120-F1F0-4C60-9FE9-39AC71A9C79D}" type="datetimeFigureOut">
               <a:rPr lang="en-US" smtClean="0"/>
               <a:pPr/>
-              <a:t>6/6/2017</a:t>
+              <a:t>12/7/2017</a:t>
             </a:fld>
             <a:endParaRPr lang="en-US"/>
           </a:p>
@@ -822,7 +826,7 @@
             <a:fld id="{ACDF6120-F1F0-4C60-9FE9-39AC71A9C79D}" type="datetimeFigureOut">
               <a:rPr lang="en-US" smtClean="0"/>
               <a:pPr/>
-              <a:t>6/6/2017</a:t>
+              <a:t>12/7/2017</a:t>
             </a:fld>
             <a:endParaRPr lang="en-US"/>
           </a:p>
@@ -1059,7 +1063,7 @@
             <a:fld id="{ACDF6120-F1F0-4C60-9FE9-39AC71A9C79D}" type="datetimeFigureOut">
               <a:rPr lang="en-US" smtClean="0"/>
               <a:pPr/>
-              <a:t>6/6/2017</a:t>
+              <a:t>12/7/2017</a:t>
             </a:fld>
             <a:endParaRPr lang="en-US" dirty="0"/>
           </a:p>
@@ -1330,7 +1334,7 @@
             <a:fld id="{ACDF6120-F1F0-4C60-9FE9-39AC71A9C79D}" type="datetimeFigureOut">
               <a:rPr lang="en-US" smtClean="0"/>
               <a:pPr/>
-              <a:t>6/6/2017</a:t>
+              <a:t>12/7/2017</a:t>
             </a:fld>
             <a:endParaRPr lang="en-US" dirty="0"/>
           </a:p>
@@ -1552,7 +1556,7 @@
             <a:fld id="{ACDF6120-F1F0-4C60-9FE9-39AC71A9C79D}" type="datetimeFigureOut">
               <a:rPr lang="en-US" smtClean="0"/>
               <a:pPr/>
-              <a:t>6/6/2017</a:t>
+              <a:t>12/7/2017</a:t>
             </a:fld>
             <a:endParaRPr lang="en-US"/>
           </a:p>
@@ -1906,7 +1910,7 @@
             <a:fld id="{ACDF6120-F1F0-4C60-9FE9-39AC71A9C79D}" type="datetimeFigureOut">
               <a:rPr lang="en-US" smtClean="0"/>
               <a:pPr/>
-              <a:t>6/6/2017</a:t>
+              <a:t>12/7/2017</a:t>
             </a:fld>
             <a:endParaRPr lang="en-US"/>
           </a:p>
@@ -2140,7 +2144,7 @@
             <a:fld id="{ACDF6120-F1F0-4C60-9FE9-39AC71A9C79D}" type="datetimeFigureOut">
               <a:rPr lang="en-US" smtClean="0"/>
               <a:pPr/>
-              <a:t>6/6/2017</a:t>
+              <a:t>12/7/2017</a:t>
             </a:fld>
             <a:endParaRPr lang="en-US"/>
           </a:p>
@@ -2282,7 +2286,7 @@
             <a:fld id="{ACDF6120-F1F0-4C60-9FE9-39AC71A9C79D}" type="datetimeFigureOut">
               <a:rPr lang="en-US" smtClean="0"/>
               <a:pPr/>
-              <a:t>6/6/2017</a:t>
+              <a:t>12/7/2017</a:t>
             </a:fld>
             <a:endParaRPr lang="en-US"/>
           </a:p>
@@ -2561,7 +2565,7 @@
             <a:fld id="{ACDF6120-F1F0-4C60-9FE9-39AC71A9C79D}" type="datetimeFigureOut">
               <a:rPr lang="en-US" smtClean="0"/>
               <a:pPr/>
-              <a:t>6/6/2017</a:t>
+              <a:t>12/7/2017</a:t>
             </a:fld>
             <a:endParaRPr lang="en-US"/>
           </a:p>
@@ -2970,7 +2974,7 @@
             <a:fld id="{ACDF6120-F1F0-4C60-9FE9-39AC71A9C79D}" type="datetimeFigureOut">
               <a:rPr lang="en-US" smtClean="0"/>
               <a:pPr/>
-              <a:t>6/6/2017</a:t>
+              <a:t>12/7/2017</a:t>
             </a:fld>
             <a:endParaRPr lang="en-US"/>
           </a:p>
@@ -3310,7 +3314,7 @@
             <a:fld id="{ACDF6120-F1F0-4C60-9FE9-39AC71A9C79D}" type="datetimeFigureOut">
               <a:rPr lang="en-US" smtClean="0"/>
               <a:pPr/>
-              <a:t>6/6/2017</a:t>
+              <a:t>12/7/2017</a:t>
             </a:fld>
             <a:endParaRPr lang="en-US" sz="1400" dirty="0">
               <a:solidFill>
@@ -5456,7 +5460,7 @@
         </p:nvSpPr>
         <p:spPr>
           <a:xfrm>
-            <a:off x="827584" y="5540524"/>
+            <a:off x="611560" y="5220434"/>
             <a:ext cx="1819729" cy="646331"/>
           </a:xfrm>
           <a:prstGeom prst="rect">
@@ -5548,6 +5552,53 @@
               <a:t>Deep</a:t>
             </a:r>
             <a:endParaRPr lang="fr-FR" dirty="0"/>
+          </a:p>
+        </p:txBody>
+      </p:sp>
+      <p:sp>
+        <p:nvSpPr>
+          <p:cNvPr id="10" name="ZoneTexte 9">
+            <a:extLst>
+              <a:ext uri="{FF2B5EF4-FFF2-40B4-BE49-F238E27FC236}">
+                <a16:creationId xmlns:a16="http://schemas.microsoft.com/office/drawing/2014/main" id="{3B5B1BA9-5E1C-4085-8532-D94DD63BF722}"/>
+              </a:ext>
+            </a:extLst>
+          </p:cNvPr>
+          <p:cNvSpPr txBox="1"/>
+          <p:nvPr/>
+        </p:nvSpPr>
+        <p:spPr>
+          <a:xfrm>
+            <a:off x="5607635" y="6472512"/>
+            <a:ext cx="3192862" cy="276999"/>
+          </a:xfrm>
+          <a:prstGeom prst="rect">
+            <a:avLst/>
+          </a:prstGeom>
+          <a:solidFill>
+            <a:schemeClr val="bg1">
+              <a:lumMod val="95000"/>
+            </a:schemeClr>
+          </a:solidFill>
+        </p:spPr>
+        <p:txBody>
+          <a:bodyPr wrap="none" rtlCol="0">
+            <a:spAutoFit/>
+          </a:bodyPr>
+          <a:lstStyle/>
+          <a:p>
+            <a:r>
+              <a:rPr lang="fr-FR" sz="1200" dirty="0"/>
+              <a:t>C. Ribeiro and A. Lopes dos Santos, </a:t>
+            </a:r>
+            <a:r>
+              <a:rPr lang="fr-FR" sz="1200" dirty="0" err="1"/>
+              <a:t>unpublished</a:t>
+            </a:r>
+            <a:r>
+              <a:rPr lang="fr-FR" sz="1200" dirty="0"/>
+              <a:t>.</a:t>
+            </a:r>
           </a:p>
         </p:txBody>
       </p:sp>
